--- a/PPT/[지능형 IoT]스마트카 5조_발표_190614.pptx
+++ b/PPT/[지능형 IoT]스마트카 5조_발표_190614.pptx
@@ -5,7 +5,7 @@
     <p:sldMasterId id="2147483648" r:id="rId1"/>
   </p:sldMasterIdLst>
   <p:notesMasterIdLst>
-    <p:notesMasterId r:id="rId42"/>
+    <p:notesMasterId r:id="rId41"/>
   </p:notesMasterIdLst>
   <p:sldIdLst>
     <p:sldId id="256" r:id="rId2"/>
@@ -15,7 +15,7 @@
     <p:sldId id="300" r:id="rId6"/>
     <p:sldId id="264" r:id="rId7"/>
     <p:sldId id="308" r:id="rId8"/>
-    <p:sldId id="309" r:id="rId9"/>
+    <p:sldId id="316" r:id="rId9"/>
     <p:sldId id="265" r:id="rId10"/>
     <p:sldId id="261" r:id="rId11"/>
     <p:sldId id="303" r:id="rId12"/>
@@ -45,9 +45,8 @@
     <p:sldId id="294" r:id="rId36"/>
     <p:sldId id="285" r:id="rId37"/>
     <p:sldId id="315" r:id="rId38"/>
-    <p:sldId id="314" r:id="rId39"/>
-    <p:sldId id="258" r:id="rId40"/>
-    <p:sldId id="259" r:id="rId41"/>
+    <p:sldId id="258" r:id="rId39"/>
+    <p:sldId id="259" r:id="rId40"/>
   </p:sldIdLst>
   <p:sldSz cx="9144000" cy="6858000" type="screen4x3"/>
   <p:notesSz cx="6858000" cy="9144000"/>
@@ -231,7 +230,7 @@
           <a:p>
             <a:fld id="{58A31AF8-8D8E-452A-ADA1-78E1E94FF56B}" type="datetimeFigureOut">
               <a:rPr lang="ko-KR" altLang="en-US" smtClean="0"/>
-              <a:t>2019-06-14</a:t>
+              <a:t>2019-06-16</a:t>
             </a:fld>
             <a:endParaRPr lang="ko-KR" altLang="en-US"/>
           </a:p>
@@ -3862,7 +3861,7 @@
           <a:p>
             <a:fld id="{FE2CF7A5-AB7A-4922-816B-9FFE83888108}" type="datetimeFigureOut">
               <a:rPr lang="ko-KR" altLang="en-US" smtClean="0"/>
-              <a:t>2019-06-14</a:t>
+              <a:t>2019-06-16</a:t>
             </a:fld>
             <a:endParaRPr lang="ko-KR" altLang="en-US"/>
           </a:p>
@@ -4032,7 +4031,7 @@
           <a:p>
             <a:fld id="{FE2CF7A5-AB7A-4922-816B-9FFE83888108}" type="datetimeFigureOut">
               <a:rPr lang="ko-KR" altLang="en-US" smtClean="0"/>
-              <a:t>2019-06-14</a:t>
+              <a:t>2019-06-16</a:t>
             </a:fld>
             <a:endParaRPr lang="ko-KR" altLang="en-US"/>
           </a:p>
@@ -4212,7 +4211,7 @@
           <a:p>
             <a:fld id="{FE2CF7A5-AB7A-4922-816B-9FFE83888108}" type="datetimeFigureOut">
               <a:rPr lang="ko-KR" altLang="en-US" smtClean="0"/>
-              <a:t>2019-06-14</a:t>
+              <a:t>2019-06-16</a:t>
             </a:fld>
             <a:endParaRPr lang="ko-KR" altLang="en-US"/>
           </a:p>
@@ -4382,7 +4381,7 @@
           <a:p>
             <a:fld id="{FE2CF7A5-AB7A-4922-816B-9FFE83888108}" type="datetimeFigureOut">
               <a:rPr lang="ko-KR" altLang="en-US" smtClean="0"/>
-              <a:t>2019-06-14</a:t>
+              <a:t>2019-06-16</a:t>
             </a:fld>
             <a:endParaRPr lang="ko-KR" altLang="en-US"/>
           </a:p>
@@ -4628,7 +4627,7 @@
           <a:p>
             <a:fld id="{FE2CF7A5-AB7A-4922-816B-9FFE83888108}" type="datetimeFigureOut">
               <a:rPr lang="ko-KR" altLang="en-US" smtClean="0"/>
-              <a:t>2019-06-14</a:t>
+              <a:t>2019-06-16</a:t>
             </a:fld>
             <a:endParaRPr lang="ko-KR" altLang="en-US"/>
           </a:p>
@@ -4916,7 +4915,7 @@
           <a:p>
             <a:fld id="{FE2CF7A5-AB7A-4922-816B-9FFE83888108}" type="datetimeFigureOut">
               <a:rPr lang="ko-KR" altLang="en-US" smtClean="0"/>
-              <a:t>2019-06-14</a:t>
+              <a:t>2019-06-16</a:t>
             </a:fld>
             <a:endParaRPr lang="ko-KR" altLang="en-US"/>
           </a:p>
@@ -5338,7 +5337,7 @@
           <a:p>
             <a:fld id="{FE2CF7A5-AB7A-4922-816B-9FFE83888108}" type="datetimeFigureOut">
               <a:rPr lang="ko-KR" altLang="en-US" smtClean="0"/>
-              <a:t>2019-06-14</a:t>
+              <a:t>2019-06-16</a:t>
             </a:fld>
             <a:endParaRPr lang="ko-KR" altLang="en-US"/>
           </a:p>
@@ -5456,7 +5455,7 @@
           <a:p>
             <a:fld id="{FE2CF7A5-AB7A-4922-816B-9FFE83888108}" type="datetimeFigureOut">
               <a:rPr lang="ko-KR" altLang="en-US" smtClean="0"/>
-              <a:t>2019-06-14</a:t>
+              <a:t>2019-06-16</a:t>
             </a:fld>
             <a:endParaRPr lang="ko-KR" altLang="en-US"/>
           </a:p>
@@ -5551,7 +5550,7 @@
           <a:p>
             <a:fld id="{FE2CF7A5-AB7A-4922-816B-9FFE83888108}" type="datetimeFigureOut">
               <a:rPr lang="ko-KR" altLang="en-US" smtClean="0"/>
-              <a:t>2019-06-14</a:t>
+              <a:t>2019-06-16</a:t>
             </a:fld>
             <a:endParaRPr lang="ko-KR" altLang="en-US"/>
           </a:p>
@@ -5828,7 +5827,7 @@
           <a:p>
             <a:fld id="{FE2CF7A5-AB7A-4922-816B-9FFE83888108}" type="datetimeFigureOut">
               <a:rPr lang="ko-KR" altLang="en-US" smtClean="0"/>
-              <a:t>2019-06-14</a:t>
+              <a:t>2019-06-16</a:t>
             </a:fld>
             <a:endParaRPr lang="ko-KR" altLang="en-US"/>
           </a:p>
@@ -6081,7 +6080,7 @@
           <a:p>
             <a:fld id="{FE2CF7A5-AB7A-4922-816B-9FFE83888108}" type="datetimeFigureOut">
               <a:rPr lang="ko-KR" altLang="en-US" smtClean="0"/>
-              <a:t>2019-06-14</a:t>
+              <a:t>2019-06-16</a:t>
             </a:fld>
             <a:endParaRPr lang="ko-KR" altLang="en-US"/>
           </a:p>
@@ -6294,7 +6293,7 @@
           <a:p>
             <a:fld id="{FE2CF7A5-AB7A-4922-816B-9FFE83888108}" type="datetimeFigureOut">
               <a:rPr lang="ko-KR" altLang="en-US" smtClean="0"/>
-              <a:t>2019-06-14</a:t>
+              <a:t>2019-06-16</a:t>
             </a:fld>
             <a:endParaRPr lang="ko-KR" altLang="en-US"/>
           </a:p>
@@ -10580,14 +10579,14 @@
           <p:nvPr>
             <p:extLst>
               <p:ext uri="{D42A27DB-BD31-4B8C-83A1-F6EECF244321}">
-                <p14:modId xmlns:p14="http://schemas.microsoft.com/office/powerpoint/2010/main" val="3518721732"/>
+                <p14:modId xmlns:p14="http://schemas.microsoft.com/office/powerpoint/2010/main" val="763342487"/>
               </p:ext>
             </p:extLst>
           </p:nvPr>
         </p:nvGraphicFramePr>
         <p:xfrm>
           <a:off x="239211" y="1700210"/>
-          <a:ext cx="8653964" cy="4968875"/>
+          <a:ext cx="8653964" cy="4897441"/>
         </p:xfrm>
         <a:graphic>
           <a:graphicData uri="http://schemas.openxmlformats.org/drawingml/2006/table">
@@ -10599,7 +10598,7 @@
                 <a:gridCol w="2820621"/>
                 <a:gridCol w="5833343"/>
               </a:tblGrid>
-              <a:tr h="993775">
+              <a:tr h="979434">
                 <a:tc>
                   <a:txBody>
                     <a:bodyPr/>
@@ -10789,7 +10788,7 @@
                   </a:tcPr>
                 </a:tc>
               </a:tr>
-              <a:tr h="993775">
+              <a:tr h="979434">
                 <a:tc>
                   <a:txBody>
                     <a:bodyPr/>
@@ -10986,7 +10985,7 @@
                   </a:tcPr>
                 </a:tc>
               </a:tr>
-              <a:tr h="993775">
+              <a:tr h="979434">
                 <a:tc>
                   <a:txBody>
                     <a:bodyPr/>
@@ -11198,7 +11197,7 @@
                   </a:tcPr>
                 </a:tc>
               </a:tr>
-              <a:tr h="993775">
+              <a:tr h="979434">
                 <a:tc>
                   <a:txBody>
                     <a:bodyPr/>
@@ -11426,7 +11425,7 @@
                   </a:tcPr>
                 </a:tc>
               </a:tr>
-              <a:tr h="993775">
+              <a:tr h="979705">
                 <a:tc>
                   <a:txBody>
                     <a:bodyPr/>
@@ -11922,7 +11921,7 @@
         <p:spPr bwMode="auto">
           <a:xfrm>
             <a:off x="971600" y="1844539"/>
-            <a:ext cx="7200850" cy="4600088"/>
+            <a:ext cx="7200850" cy="4537211"/>
           </a:xfrm>
           <a:prstGeom prst="rect">
             <a:avLst/>
@@ -20568,7 +20567,7 @@
     <mc:Choice Requires="p14">
       <p:transition spd="slow" p14:dur="2000"/>
     </mc:Choice>
-    <mc:Fallback xmlns="" xmlns:p15="http://schemas.microsoft.com/office/powerpoint/2012/main">
+    <mc:Fallback xmlns:p15="http://schemas.microsoft.com/office/powerpoint/2012/main" xmlns="">
       <p:transition spd="slow"/>
     </mc:Fallback>
   </mc:AlternateContent>
@@ -21086,7 +21085,7 @@
     <mc:Choice Requires="p14">
       <p:transition spd="slow" p14:dur="2000"/>
     </mc:Choice>
-    <mc:Fallback xmlns="" xmlns:p15="http://schemas.microsoft.com/office/powerpoint/2012/main">
+    <mc:Fallback xmlns:p15="http://schemas.microsoft.com/office/powerpoint/2012/main" xmlns="">
       <p:transition spd="slow"/>
     </mc:Fallback>
   </mc:AlternateContent>
@@ -21543,16 +21542,16 @@
               <a:t>으로 </a:t>
             </a:r>
             <a:r>
-              <a:rPr lang="en-US" altLang="ko-KR" b="1" dirty="0" err="1" smtClean="0">
+              <a:rPr lang="en-US" altLang="ko-KR" b="1" smtClean="0">
                 <a:latin typeface="+mj-ea"/>
               </a:rPr>
-              <a:t>WebSocket</a:t>
+              <a:t>Web Socket </a:t>
             </a:r>
             <a:r>
               <a:rPr lang="en-US" altLang="ko-KR" b="1" dirty="0" smtClean="0">
                 <a:latin typeface="+mj-ea"/>
               </a:rPr>
-              <a:t> Server </a:t>
+              <a:t>Server </a:t>
             </a:r>
             <a:r>
               <a:rPr lang="ko-KR" altLang="en-US" b="1" dirty="0" smtClean="0">
@@ -21982,7 +21981,7 @@
     <mc:Choice Requires="p14">
       <p:transition spd="slow" p14:dur="2000"/>
     </mc:Choice>
-    <mc:Fallback xmlns="" xmlns:p15="http://schemas.microsoft.com/office/powerpoint/2012/main">
+    <mc:Fallback xmlns:p15="http://schemas.microsoft.com/office/powerpoint/2012/main" xmlns="">
       <p:transition spd="slow"/>
     </mc:Fallback>
   </mc:AlternateContent>
@@ -22420,7 +22419,7 @@
     <mc:Choice Requires="p14">
       <p:transition spd="slow" p14:dur="2000"/>
     </mc:Choice>
-    <mc:Fallback xmlns="" xmlns:p15="http://schemas.microsoft.com/office/powerpoint/2012/main">
+    <mc:Fallback xmlns:p15="http://schemas.microsoft.com/office/powerpoint/2012/main" xmlns="">
       <p:transition spd="slow"/>
     </mc:Fallback>
   </mc:AlternateContent>
@@ -22850,7 +22849,7 @@
     <mc:Choice Requires="p14">
       <p:transition spd="slow" p14:dur="2000"/>
     </mc:Choice>
-    <mc:Fallback xmlns="" xmlns:p15="http://schemas.microsoft.com/office/powerpoint/2012/main">
+    <mc:Fallback xmlns:p15="http://schemas.microsoft.com/office/powerpoint/2012/main" xmlns="">
       <p:transition spd="slow"/>
     </mc:Fallback>
   </mc:AlternateContent>
@@ -24102,7 +24101,7 @@
     <mc:Choice Requires="p14">
       <p:transition spd="slow" p14:dur="2000"/>
     </mc:Choice>
-    <mc:Fallback xmlns="" xmlns:p15="http://schemas.microsoft.com/office/powerpoint/2012/main">
+    <mc:Fallback xmlns:p15="http://schemas.microsoft.com/office/powerpoint/2012/main" xmlns="">
       <p:transition spd="slow"/>
     </mc:Fallback>
   </mc:AlternateContent>
@@ -24505,7 +24504,7 @@
     <mc:Choice Requires="p14">
       <p:transition spd="slow" p14:dur="2000"/>
     </mc:Choice>
-    <mc:Fallback xmlns="" xmlns:p15="http://schemas.microsoft.com/office/powerpoint/2012/main">
+    <mc:Fallback xmlns:p15="http://schemas.microsoft.com/office/powerpoint/2012/main" xmlns="">
       <p:transition spd="slow"/>
     </mc:Fallback>
   </mc:AlternateContent>
@@ -25188,83 +25187,76 @@
       </p:grpSpPr>
       <p:sp>
         <p:nvSpPr>
-          <p:cNvPr id="2" name="제목 1"/>
-          <p:cNvSpPr>
-            <a:spLocks noGrp="1"/>
-          </p:cNvSpPr>
-          <p:nvPr>
-            <p:ph type="title"/>
-          </p:nvPr>
-        </p:nvSpPr>
-        <p:spPr/>
-        <p:txBody>
-          <a:bodyPr/>
-          <a:lstStyle/>
-          <a:p>
-            <a:endParaRPr lang="ko-KR" altLang="en-US"/>
-          </a:p>
-        </p:txBody>
-      </p:sp>
-      <p:sp>
-        <p:nvSpPr>
-          <p:cNvPr id="3" name="내용 개체 틀 2"/>
-          <p:cNvSpPr>
-            <a:spLocks noGrp="1"/>
-          </p:cNvSpPr>
-          <p:nvPr>
-            <p:ph idx="1"/>
-          </p:nvPr>
-        </p:nvSpPr>
-        <p:spPr/>
-        <p:txBody>
-          <a:bodyPr/>
-          <a:lstStyle/>
-          <a:p>
-            <a:endParaRPr lang="ko-KR" altLang="en-US"/>
-          </a:p>
-        </p:txBody>
-      </p:sp>
-      <p:sp>
-        <p:nvSpPr>
-          <p:cNvPr id="4" name="직사각형 3"/>
-          <p:cNvSpPr/>
+          <p:cNvPr id="24" name="TextBox 23"/>
+          <p:cNvSpPr txBox="1"/>
           <p:nvPr/>
         </p:nvSpPr>
         <p:spPr>
           <a:xfrm>
-            <a:off x="2517110" y="3175085"/>
-            <a:ext cx="4109779" cy="507831"/>
+            <a:off x="3743908" y="2782669"/>
+            <a:ext cx="1656184" cy="646331"/>
           </a:xfrm>
           <a:prstGeom prst="rect">
             <a:avLst/>
           </a:prstGeom>
+          <a:noFill/>
         </p:spPr>
         <p:txBody>
-          <a:bodyPr wrap="none">
+          <a:bodyPr wrap="square">
             <a:spAutoFit/>
           </a:bodyPr>
           <a:lstStyle/>
           <a:p>
-            <a:pPr marL="514350" indent="-514350" algn="just">
-              <a:lnSpc>
-                <a:spcPct val="150000"/>
-              </a:lnSpc>
-              <a:buAutoNum type="arabicPeriod"/>
+            <a:pPr algn="ctr">
               <a:defRPr/>
             </a:pPr>
             <a:r>
-              <a:rPr lang="en-US" altLang="ko-KR" b="1" dirty="0">
-                <a:latin typeface="+mj-ea"/>
-              </a:rPr>
-              <a:t>Sniffing / Snooping / spoofing</a:t>
-            </a:r>
+              <a:rPr lang="en-US" altLang="ko-KR" sz="3600" b="1" dirty="0" smtClean="0"/>
+              <a:t>Q&amp;A</a:t>
+            </a:r>
+            <a:endParaRPr lang="en-US" altLang="ko-KR" sz="3600" b="1" dirty="0"/>
           </a:p>
         </p:txBody>
       </p:sp>
+      <p:cxnSp>
+        <p:nvCxnSpPr>
+          <p:cNvPr id="25" name="직선 연결선 24"/>
+          <p:cNvCxnSpPr/>
+          <p:nvPr/>
+        </p:nvCxnSpPr>
+        <p:spPr>
+          <a:xfrm>
+            <a:off x="251520" y="3429000"/>
+            <a:ext cx="8640960" cy="0"/>
+          </a:xfrm>
+          <a:prstGeom prst="line">
+            <a:avLst/>
+          </a:prstGeom>
+          <a:ln w="34925">
+            <a:solidFill>
+              <a:srgbClr val="FFC000"/>
+            </a:solidFill>
+          </a:ln>
+        </p:spPr>
+        <p:style>
+          <a:lnRef idx="1">
+            <a:schemeClr val="accent1"/>
+          </a:lnRef>
+          <a:fillRef idx="0">
+            <a:schemeClr val="accent1"/>
+          </a:fillRef>
+          <a:effectRef idx="0">
+            <a:schemeClr val="accent1"/>
+          </a:effectRef>
+          <a:fontRef idx="minor">
+            <a:schemeClr val="tx1"/>
+          </a:fontRef>
+        </p:style>
+      </p:cxnSp>
     </p:spTree>
     <p:extLst>
       <p:ext uri="{BB962C8B-B14F-4D97-AF65-F5344CB8AC3E}">
-        <p14:creationId xmlns:p14="http://schemas.microsoft.com/office/powerpoint/2010/main" val="4265978057"/>
+        <p14:creationId xmlns:p14="http://schemas.microsoft.com/office/powerpoint/2010/main" val="2687381168"/>
       </p:ext>
     </p:extLst>
   </p:cSld>
@@ -25325,7 +25317,7 @@
             </a:pPr>
             <a:r>
               <a:rPr lang="en-US" altLang="ko-KR" sz="3600" b="1" dirty="0" smtClean="0"/>
-              <a:t>Q&amp;A</a:t>
+              <a:t>END</a:t>
             </a:r>
             <a:endParaRPr lang="en-US" altLang="ko-KR" sz="3600" b="1" dirty="0"/>
           </a:p>
@@ -25369,7 +25361,7 @@
     </p:spTree>
     <p:extLst>
       <p:ext uri="{BB962C8B-B14F-4D97-AF65-F5344CB8AC3E}">
-        <p14:creationId xmlns:p14="http://schemas.microsoft.com/office/powerpoint/2010/main" val="2687381168"/>
+        <p14:creationId xmlns:p14="http://schemas.microsoft.com/office/powerpoint/2010/main" val="3534513370"/>
       </p:ext>
     </p:extLst>
   </p:cSld>
@@ -25784,111 +25776,6 @@
     <p:extLst>
       <p:ext uri="{BB962C8B-B14F-4D97-AF65-F5344CB8AC3E}">
         <p14:creationId xmlns:p14="http://schemas.microsoft.com/office/powerpoint/2010/main" val="4114725680"/>
-      </p:ext>
-    </p:extLst>
-  </p:cSld>
-  <p:clrMapOvr>
-    <a:masterClrMapping/>
-  </p:clrMapOvr>
-  <p:timing>
-    <p:tnLst>
-      <p:par>
-        <p:cTn id="1" dur="indefinite" restart="never" nodeType="tmRoot"/>
-      </p:par>
-    </p:tnLst>
-  </p:timing>
-</p:sld>
-</file>
-
-<file path=ppt/slides/slide40.xml><?xml version="1.0" encoding="utf-8"?>
-<p:sld xmlns:a="http://schemas.openxmlformats.org/drawingml/2006/main" xmlns:r="http://schemas.openxmlformats.org/officeDocument/2006/relationships" xmlns:p="http://schemas.openxmlformats.org/presentationml/2006/main">
-  <p:cSld>
-    <p:spTree>
-      <p:nvGrpSpPr>
-        <p:cNvPr id="1" name=""/>
-        <p:cNvGrpSpPr/>
-        <p:nvPr/>
-      </p:nvGrpSpPr>
-      <p:grpSpPr>
-        <a:xfrm>
-          <a:off x="0" y="0"/>
-          <a:ext cx="0" cy="0"/>
-          <a:chOff x="0" y="0"/>
-          <a:chExt cx="0" cy="0"/>
-        </a:xfrm>
-      </p:grpSpPr>
-      <p:sp>
-        <p:nvSpPr>
-          <p:cNvPr id="24" name="TextBox 23"/>
-          <p:cNvSpPr txBox="1"/>
-          <p:nvPr/>
-        </p:nvSpPr>
-        <p:spPr>
-          <a:xfrm>
-            <a:off x="3743908" y="2782669"/>
-            <a:ext cx="1656184" cy="646331"/>
-          </a:xfrm>
-          <a:prstGeom prst="rect">
-            <a:avLst/>
-          </a:prstGeom>
-          <a:noFill/>
-        </p:spPr>
-        <p:txBody>
-          <a:bodyPr wrap="square">
-            <a:spAutoFit/>
-          </a:bodyPr>
-          <a:lstStyle/>
-          <a:p>
-            <a:pPr algn="ctr">
-              <a:defRPr/>
-            </a:pPr>
-            <a:r>
-              <a:rPr lang="en-US" altLang="ko-KR" sz="3600" b="1" dirty="0" smtClean="0"/>
-              <a:t>END</a:t>
-            </a:r>
-            <a:endParaRPr lang="en-US" altLang="ko-KR" sz="3600" b="1" dirty="0"/>
-          </a:p>
-        </p:txBody>
-      </p:sp>
-      <p:cxnSp>
-        <p:nvCxnSpPr>
-          <p:cNvPr id="25" name="직선 연결선 24"/>
-          <p:cNvCxnSpPr/>
-          <p:nvPr/>
-        </p:nvCxnSpPr>
-        <p:spPr>
-          <a:xfrm>
-            <a:off x="251520" y="3429000"/>
-            <a:ext cx="8640960" cy="0"/>
-          </a:xfrm>
-          <a:prstGeom prst="line">
-            <a:avLst/>
-          </a:prstGeom>
-          <a:ln w="34925">
-            <a:solidFill>
-              <a:srgbClr val="FFC000"/>
-            </a:solidFill>
-          </a:ln>
-        </p:spPr>
-        <p:style>
-          <a:lnRef idx="1">
-            <a:schemeClr val="accent1"/>
-          </a:lnRef>
-          <a:fillRef idx="0">
-            <a:schemeClr val="accent1"/>
-          </a:fillRef>
-          <a:effectRef idx="0">
-            <a:schemeClr val="accent1"/>
-          </a:effectRef>
-          <a:fontRef idx="minor">
-            <a:schemeClr val="tx1"/>
-          </a:fontRef>
-        </p:style>
-      </p:cxnSp>
-    </p:spTree>
-    <p:extLst>
-      <p:ext uri="{BB962C8B-B14F-4D97-AF65-F5344CB8AC3E}">
-        <p14:creationId xmlns:p14="http://schemas.microsoft.com/office/powerpoint/2010/main" val="3534513370"/>
       </p:ext>
     </p:extLst>
   </p:cSld>
@@ -28420,13 +28307,13 @@
           <p:nvPr>
             <p:extLst>
               <p:ext uri="{D42A27DB-BD31-4B8C-83A1-F6EECF244321}">
-                <p14:modId xmlns:p14="http://schemas.microsoft.com/office/powerpoint/2010/main" val="3844845122"/>
+                <p14:modId xmlns:p14="http://schemas.microsoft.com/office/powerpoint/2010/main" val="374966964"/>
               </p:ext>
             </p:extLst>
           </p:nvPr>
         </p:nvGraphicFramePr>
         <p:xfrm>
-          <a:off x="6687854" y="4117268"/>
+          <a:off x="6687771" y="4220926"/>
           <a:ext cx="2196000" cy="762000"/>
         </p:xfrm>
         <a:graphic>
@@ -28611,7 +28498,7 @@
           <p:nvPr>
             <p:extLst>
               <p:ext uri="{D42A27DB-BD31-4B8C-83A1-F6EECF244321}">
-                <p14:modId xmlns:p14="http://schemas.microsoft.com/office/powerpoint/2010/main" val="2136280678"/>
+                <p14:modId xmlns:p14="http://schemas.microsoft.com/office/powerpoint/2010/main" val="2184368249"/>
               </p:ext>
             </p:extLst>
           </p:nvPr>
@@ -28851,13 +28738,13 @@
           <p:nvPr>
             <p:extLst>
               <p:ext uri="{D42A27DB-BD31-4B8C-83A1-F6EECF244321}">
-                <p14:modId xmlns:p14="http://schemas.microsoft.com/office/powerpoint/2010/main" val="1159633778"/>
+                <p14:modId xmlns:p14="http://schemas.microsoft.com/office/powerpoint/2010/main" val="424987380"/>
               </p:ext>
             </p:extLst>
           </p:nvPr>
         </p:nvGraphicFramePr>
         <p:xfrm>
-          <a:off x="3469687" y="5253568"/>
+          <a:off x="3469687" y="5460883"/>
           <a:ext cx="2196000" cy="1127760"/>
         </p:xfrm>
         <a:graphic>
@@ -28919,7 +28806,7 @@
                     <a:lstStyle/>
                     <a:p>
                       <a:r>
-                        <a:rPr lang="en-US" altLang="ko-KR" sz="1200" b="0" i="0" u="none" strike="noStrike" kern="1200" smtClean="0">
+                        <a:rPr lang="en-US" altLang="ko-KR" sz="1200" b="0" i="0" u="none" strike="noStrike" kern="1200" dirty="0" err="1" smtClean="0">
                           <a:solidFill>
                             <a:srgbClr val="FF0000"/>
                           </a:solidFill>
@@ -28927,12 +28814,45 @@
                           <a:ea typeface="+mn-ea"/>
                           <a:cs typeface="+mn-cs"/>
                         </a:rPr>
-                        <a:t>session_num int </a:t>
+                        <a:t>session_num</a:t>
+                      </a:r>
+                      <a:r>
+                        <a:rPr lang="en-US" altLang="ko-KR" sz="1200" b="0" i="0" u="none" strike="noStrike" kern="1200" dirty="0" smtClean="0">
+                          <a:solidFill>
+                            <a:srgbClr val="FF0000"/>
+                          </a:solidFill>
+                          <a:latin typeface="+mn-lt"/>
+                          <a:ea typeface="+mn-ea"/>
+                          <a:cs typeface="+mn-cs"/>
+                        </a:rPr>
+                        <a:t> </a:t>
+                      </a:r>
+                      <a:r>
+                        <a:rPr lang="en-US" altLang="ko-KR" sz="1200" b="0" i="0" u="none" strike="noStrike" kern="1200" dirty="0" err="1" smtClean="0">
+                          <a:solidFill>
+                            <a:srgbClr val="FF0000"/>
+                          </a:solidFill>
+                          <a:latin typeface="+mn-lt"/>
+                          <a:ea typeface="+mn-ea"/>
+                          <a:cs typeface="+mn-cs"/>
+                        </a:rPr>
+                        <a:t>int</a:t>
+                      </a:r>
+                      <a:r>
+                        <a:rPr lang="en-US" altLang="ko-KR" sz="1200" b="0" i="0" u="none" strike="noStrike" kern="1200" dirty="0" smtClean="0">
+                          <a:solidFill>
+                            <a:srgbClr val="FF0000"/>
+                          </a:solidFill>
+                          <a:latin typeface="+mn-lt"/>
+                          <a:ea typeface="+mn-ea"/>
+                          <a:cs typeface="+mn-cs"/>
+                        </a:rPr>
+                        <a:t> </a:t>
                       </a:r>
                     </a:p>
                     <a:p>
                       <a:r>
-                        <a:rPr lang="en-US" altLang="ko-KR" sz="1200" b="0" i="0" u="none" strike="noStrike" kern="1200" smtClean="0">
+                        <a:rPr lang="en-US" altLang="ko-KR" sz="1200" b="0" i="0" u="none" strike="noStrike" kern="1200" dirty="0" err="1" smtClean="0">
                           <a:solidFill>
                             <a:schemeClr val="tx1"/>
                           </a:solidFill>
@@ -28940,12 +28860,10 @@
                           <a:ea typeface="+mn-ea"/>
                           <a:cs typeface="+mn-cs"/>
                         </a:rPr>
-                        <a:t>session_user_id varchar(50)</a:t>
+                        <a:t>session_user_id</a:t>
                       </a:r>
-                    </a:p>
-                    <a:p>
                       <a:r>
-                        <a:rPr lang="en-US" altLang="ko-KR" sz="1200" b="0" i="0" u="none" strike="noStrike" kern="1200" smtClean="0">
+                        <a:rPr lang="en-US" altLang="ko-KR" sz="1200" b="0" i="0" u="none" strike="noStrike" kern="1200" dirty="0" smtClean="0">
                           <a:solidFill>
                             <a:schemeClr val="tx1"/>
                           </a:solidFill>
@@ -28953,12 +28871,10 @@
                           <a:ea typeface="+mn-ea"/>
                           <a:cs typeface="+mn-cs"/>
                         </a:rPr>
-                        <a:t>session_ip_addr varchar(20)</a:t>
+                        <a:t> </a:t>
                       </a:r>
-                    </a:p>
-                    <a:p>
                       <a:r>
-                        <a:rPr lang="en-US" altLang="ko-KR" sz="1200" b="0" i="0" u="none" strike="noStrike" kern="1200" smtClean="0">
+                        <a:rPr lang="en-US" altLang="ko-KR" sz="1200" b="0" i="0" u="none" strike="noStrike" kern="1200" dirty="0" err="1" smtClean="0">
                           <a:solidFill>
                             <a:schemeClr val="tx1"/>
                           </a:solidFill>
@@ -28966,7 +28882,110 @@
                           <a:ea typeface="+mn-ea"/>
                           <a:cs typeface="+mn-cs"/>
                         </a:rPr>
-                        <a:t>session_mac_addr varchar(20)</a:t>
+                        <a:t>varchar</a:t>
+                      </a:r>
+                      <a:r>
+                        <a:rPr lang="en-US" altLang="ko-KR" sz="1200" b="0" i="0" u="none" strike="noStrike" kern="1200" dirty="0" smtClean="0">
+                          <a:solidFill>
+                            <a:schemeClr val="tx1"/>
+                          </a:solidFill>
+                          <a:latin typeface="+mn-lt"/>
+                          <a:ea typeface="+mn-ea"/>
+                          <a:cs typeface="+mn-cs"/>
+                        </a:rPr>
+                        <a:t>(50)</a:t>
+                      </a:r>
+                    </a:p>
+                    <a:p>
+                      <a:r>
+                        <a:rPr lang="en-US" altLang="ko-KR" sz="1200" b="0" i="0" u="none" strike="noStrike" kern="1200" dirty="0" err="1" smtClean="0">
+                          <a:solidFill>
+                            <a:schemeClr val="tx1"/>
+                          </a:solidFill>
+                          <a:latin typeface="+mn-lt"/>
+                          <a:ea typeface="+mn-ea"/>
+                          <a:cs typeface="+mn-cs"/>
+                        </a:rPr>
+                        <a:t>session_ip_addr</a:t>
+                      </a:r>
+                      <a:r>
+                        <a:rPr lang="en-US" altLang="ko-KR" sz="1200" b="0" i="0" u="none" strike="noStrike" kern="1200" dirty="0" smtClean="0">
+                          <a:solidFill>
+                            <a:schemeClr val="tx1"/>
+                          </a:solidFill>
+                          <a:latin typeface="+mn-lt"/>
+                          <a:ea typeface="+mn-ea"/>
+                          <a:cs typeface="+mn-cs"/>
+                        </a:rPr>
+                        <a:t> </a:t>
+                      </a:r>
+                      <a:r>
+                        <a:rPr lang="en-US" altLang="ko-KR" sz="1200" b="0" i="0" u="none" strike="noStrike" kern="1200" dirty="0" err="1" smtClean="0">
+                          <a:solidFill>
+                            <a:schemeClr val="tx1"/>
+                          </a:solidFill>
+                          <a:latin typeface="+mn-lt"/>
+                          <a:ea typeface="+mn-ea"/>
+                          <a:cs typeface="+mn-cs"/>
+                        </a:rPr>
+                        <a:t>varchar</a:t>
+                      </a:r>
+                      <a:r>
+                        <a:rPr lang="en-US" altLang="ko-KR" sz="1200" b="0" i="0" u="none" strike="noStrike" kern="1200" dirty="0" smtClean="0">
+                          <a:solidFill>
+                            <a:schemeClr val="tx1"/>
+                          </a:solidFill>
+                          <a:latin typeface="+mn-lt"/>
+                          <a:ea typeface="+mn-ea"/>
+                          <a:cs typeface="+mn-cs"/>
+                        </a:rPr>
+                        <a:t>(20)</a:t>
+                      </a:r>
+                    </a:p>
+                    <a:p>
+                      <a:r>
+                        <a:rPr lang="en-US" altLang="ko-KR" sz="1200" b="0" i="0" u="none" strike="noStrike" kern="1200" dirty="0" err="1" smtClean="0">
+                          <a:solidFill>
+                            <a:schemeClr val="tx1"/>
+                          </a:solidFill>
+                          <a:latin typeface="+mn-lt"/>
+                          <a:ea typeface="+mn-ea"/>
+                          <a:cs typeface="+mn-cs"/>
+                        </a:rPr>
+                        <a:t>session_mac_addr</a:t>
+                      </a:r>
+                      <a:r>
+                        <a:rPr lang="en-US" altLang="ko-KR" sz="1200" b="0" i="0" u="none" strike="noStrike" kern="1200" dirty="0" smtClean="0">
+                          <a:solidFill>
+                            <a:schemeClr val="tx1"/>
+                          </a:solidFill>
+                          <a:latin typeface="+mn-lt"/>
+                          <a:ea typeface="+mn-ea"/>
+                          <a:cs typeface="+mn-cs"/>
+                        </a:rPr>
+                        <a:t> </a:t>
+                      </a:r>
+                      <a:r>
+                        <a:rPr lang="en-US" altLang="ko-KR" sz="1200" b="0" i="0" u="none" strike="noStrike" kern="1200" dirty="0" err="1" smtClean="0">
+                          <a:solidFill>
+                            <a:schemeClr val="tx1"/>
+                          </a:solidFill>
+                          <a:latin typeface="+mn-lt"/>
+                          <a:ea typeface="+mn-ea"/>
+                          <a:cs typeface="+mn-cs"/>
+                        </a:rPr>
+                        <a:t>varchar</a:t>
+                      </a:r>
+                      <a:r>
+                        <a:rPr lang="en-US" altLang="ko-KR" sz="1200" b="0" i="0" u="none" strike="noStrike" kern="1200" dirty="0" smtClean="0">
+                          <a:solidFill>
+                            <a:schemeClr val="tx1"/>
+                          </a:solidFill>
+                          <a:latin typeface="+mn-lt"/>
+                          <a:ea typeface="+mn-ea"/>
+                          <a:cs typeface="+mn-cs"/>
+                        </a:rPr>
+                        <a:t>(20)</a:t>
                       </a:r>
                       <a:endParaRPr lang="en-US" altLang="ko-KR" sz="1200" b="0" i="0" u="none" strike="noStrike" kern="1200" baseline="0" dirty="0" smtClean="0">
                         <a:solidFill>
@@ -29013,13 +29032,13 @@
           <p:nvPr>
             <p:extLst>
               <p:ext uri="{D42A27DB-BD31-4B8C-83A1-F6EECF244321}">
-                <p14:modId xmlns:p14="http://schemas.microsoft.com/office/powerpoint/2010/main" val="3410578264"/>
+                <p14:modId xmlns:p14="http://schemas.microsoft.com/office/powerpoint/2010/main" val="2555976442"/>
               </p:ext>
             </p:extLst>
           </p:nvPr>
         </p:nvGraphicFramePr>
         <p:xfrm>
-          <a:off x="251520" y="5619328"/>
+          <a:off x="251520" y="5826643"/>
           <a:ext cx="2196000" cy="762000"/>
         </p:xfrm>
         <a:graphic>
@@ -29730,13 +29749,13 @@
           <p:nvPr>
             <p:extLst>
               <p:ext uri="{D42A27DB-BD31-4B8C-83A1-F6EECF244321}">
-                <p14:modId xmlns:p14="http://schemas.microsoft.com/office/powerpoint/2010/main" val="512547698"/>
+                <p14:modId xmlns:p14="http://schemas.microsoft.com/office/powerpoint/2010/main" val="2058778218"/>
               </p:ext>
             </p:extLst>
           </p:nvPr>
         </p:nvGraphicFramePr>
         <p:xfrm>
-          <a:off x="6696480" y="1700808"/>
+          <a:off x="6687771" y="1700808"/>
           <a:ext cx="2196000" cy="1676400"/>
         </p:xfrm>
         <a:graphic>
@@ -30148,13 +30167,13 @@
           <p:nvPr>
             <p:extLst>
               <p:ext uri="{D42A27DB-BD31-4B8C-83A1-F6EECF244321}">
-                <p14:modId xmlns:p14="http://schemas.microsoft.com/office/powerpoint/2010/main" val="1144740555"/>
+                <p14:modId xmlns:p14="http://schemas.microsoft.com/office/powerpoint/2010/main" val="326753580"/>
               </p:ext>
             </p:extLst>
           </p:nvPr>
         </p:nvGraphicFramePr>
         <p:xfrm>
-          <a:off x="251520" y="3336776"/>
+          <a:off x="251520" y="3397966"/>
           <a:ext cx="2196000" cy="1676400"/>
         </p:xfrm>
         <a:graphic>
@@ -30493,13 +30512,13 @@
           <p:nvPr>
             <p:extLst>
               <p:ext uri="{D42A27DB-BD31-4B8C-83A1-F6EECF244321}">
-                <p14:modId xmlns:p14="http://schemas.microsoft.com/office/powerpoint/2010/main" val="1650294332"/>
+                <p14:modId xmlns:p14="http://schemas.microsoft.com/office/powerpoint/2010/main" val="2722619596"/>
               </p:ext>
             </p:extLst>
           </p:nvPr>
         </p:nvGraphicFramePr>
         <p:xfrm>
-          <a:off x="6687854" y="5619328"/>
+          <a:off x="6687771" y="5826643"/>
           <a:ext cx="2196000" cy="762000"/>
         </p:xfrm>
         <a:graphic>
@@ -30731,7 +30750,7 @@
         <p:spPr>
           <a:xfrm flipV="1">
             <a:off x="5665687" y="2539008"/>
-            <a:ext cx="1030793" cy="182880"/>
+            <a:ext cx="1022084" cy="182880"/>
           </a:xfrm>
           <a:prstGeom prst="straightConnector1">
             <a:avLst/>
@@ -30771,7 +30790,7 @@
         <p:spPr>
           <a:xfrm>
             <a:off x="4567687" y="3742968"/>
-            <a:ext cx="0" cy="1510600"/>
+            <a:ext cx="0" cy="1717915"/>
           </a:xfrm>
           <a:prstGeom prst="straightConnector1">
             <a:avLst/>
@@ -30799,6 +30818,50 @@
           </a:fontRef>
         </p:style>
       </p:cxnSp>
+      <p:sp>
+        <p:nvSpPr>
+          <p:cNvPr id="16" name="직사각형 15"/>
+          <p:cNvSpPr/>
+          <p:nvPr/>
+        </p:nvSpPr>
+        <p:spPr>
+          <a:xfrm>
+            <a:off x="107950" y="1557338"/>
+            <a:ext cx="8928546" cy="5184030"/>
+          </a:xfrm>
+          <a:prstGeom prst="rect">
+            <a:avLst/>
+          </a:prstGeom>
+          <a:noFill/>
+          <a:ln>
+            <a:noFill/>
+          </a:ln>
+        </p:spPr>
+        <p:style>
+          <a:lnRef idx="2">
+            <a:schemeClr val="accent1">
+              <a:shade val="50000"/>
+            </a:schemeClr>
+          </a:lnRef>
+          <a:fillRef idx="1">
+            <a:schemeClr val="accent1"/>
+          </a:fillRef>
+          <a:effectRef idx="0">
+            <a:schemeClr val="accent1"/>
+          </a:effectRef>
+          <a:fontRef idx="minor">
+            <a:schemeClr val="lt1"/>
+          </a:fontRef>
+        </p:style>
+        <p:txBody>
+          <a:bodyPr rtlCol="0" anchor="ctr"/>
+          <a:lstStyle/>
+          <a:p>
+            <a:pPr algn="ctr"/>
+            <a:endParaRPr lang="ko-KR" altLang="en-US"/>
+          </a:p>
+        </p:txBody>
+      </p:sp>
     </p:spTree>
     <p:extLst>
       <p:ext uri="{BB962C8B-B14F-4D97-AF65-F5344CB8AC3E}">
@@ -31053,13 +31116,13 @@
           <p:nvPr>
             <p:extLst>
               <p:ext uri="{D42A27DB-BD31-4B8C-83A1-F6EECF244321}">
-                <p14:modId xmlns:p14="http://schemas.microsoft.com/office/powerpoint/2010/main" val="405002937"/>
+                <p14:modId xmlns:p14="http://schemas.microsoft.com/office/powerpoint/2010/main" val="3348185241"/>
               </p:ext>
             </p:extLst>
           </p:nvPr>
         </p:nvGraphicFramePr>
         <p:xfrm>
-          <a:off x="251520" y="3995854"/>
+          <a:off x="251520" y="3961846"/>
           <a:ext cx="1836000" cy="365760"/>
         </p:xfrm>
         <a:graphic>
@@ -31148,13 +31211,13 @@
           <p:nvPr>
             <p:extLst>
               <p:ext uri="{D42A27DB-BD31-4B8C-83A1-F6EECF244321}">
-                <p14:modId xmlns:p14="http://schemas.microsoft.com/office/powerpoint/2010/main" val="1776936817"/>
+                <p14:modId xmlns:p14="http://schemas.microsoft.com/office/powerpoint/2010/main" val="4068163696"/>
               </p:ext>
             </p:extLst>
           </p:nvPr>
         </p:nvGraphicFramePr>
         <p:xfrm>
-          <a:off x="4779694" y="6290900"/>
+          <a:off x="7056480" y="4715524"/>
           <a:ext cx="1836000" cy="365760"/>
         </p:xfrm>
         <a:graphic>
@@ -31243,13 +31306,13 @@
           <p:nvPr>
             <p:extLst>
               <p:ext uri="{D42A27DB-BD31-4B8C-83A1-F6EECF244321}">
-                <p14:modId xmlns:p14="http://schemas.microsoft.com/office/powerpoint/2010/main" val="3963555098"/>
+                <p14:modId xmlns:p14="http://schemas.microsoft.com/office/powerpoint/2010/main" val="3186263078"/>
               </p:ext>
             </p:extLst>
           </p:nvPr>
         </p:nvGraphicFramePr>
         <p:xfrm>
-          <a:off x="4779694" y="5143377"/>
+          <a:off x="7056480" y="6222883"/>
           <a:ext cx="1836000" cy="365760"/>
         </p:xfrm>
         <a:graphic>
@@ -31331,101 +31394,6 @@
       </p:graphicFrame>
       <p:graphicFrame>
         <p:nvGraphicFramePr>
-          <p:cNvPr id="113" name="표 112"/>
-          <p:cNvGraphicFramePr>
-            <a:graphicFrameLocks noGrp="1"/>
-          </p:cNvGraphicFramePr>
-          <p:nvPr>
-            <p:extLst>
-              <p:ext uri="{D42A27DB-BD31-4B8C-83A1-F6EECF244321}">
-                <p14:modId xmlns:p14="http://schemas.microsoft.com/office/powerpoint/2010/main" val="1342073854"/>
-              </p:ext>
-            </p:extLst>
-          </p:nvPr>
-        </p:nvGraphicFramePr>
-        <p:xfrm>
-          <a:off x="7043780" y="5143377"/>
-          <a:ext cx="1836000" cy="365760"/>
-        </p:xfrm>
-        <a:graphic>
-          <a:graphicData uri="http://schemas.openxmlformats.org/drawingml/2006/table">
-            <a:tbl>
-              <a:tblPr firstRow="1" bandRow="1">
-                <a:tableStyleId>{7E9639D4-E3E2-4D34-9284-5A2195B3D0D7}</a:tableStyleId>
-              </a:tblPr>
-              <a:tblGrid>
-                <a:gridCol w="1836000"/>
-              </a:tblGrid>
-              <a:tr h="0">
-                <a:tc>
-                  <a:txBody>
-                    <a:bodyPr/>
-                    <a:lstStyle/>
-                    <a:p>
-                      <a:pPr algn="ctr" latinLnBrk="1"/>
-                      <a:r>
-                        <a:rPr lang="en-US" altLang="ko-KR" sz="1800" dirty="0" err="1" smtClean="0">
-                          <a:solidFill>
-                            <a:schemeClr val="tx1"/>
-                          </a:solidFill>
-                          <a:latin typeface="+mj-lt"/>
-                        </a:rPr>
-                        <a:t>board_write_ok</a:t>
-                      </a:r>
-                      <a:endParaRPr lang="ko-KR" altLang="en-US" sz="1800" dirty="0">
-                        <a:solidFill>
-                          <a:schemeClr val="tx1"/>
-                        </a:solidFill>
-                        <a:latin typeface="+mj-lt"/>
-                      </a:endParaRPr>
-                    </a:p>
-                  </a:txBody>
-                  <a:tcPr>
-                    <a:lnL w="9525" cap="flat" cmpd="sng" algn="ctr">
-                      <a:noFill/>
-                      <a:prstDash val="solid"/>
-                    </a:lnL>
-                    <a:lnR w="19050" cap="flat" cmpd="sng" algn="ctr">
-                      <a:noFill/>
-                      <a:prstDash val="solid"/>
-                      <a:round/>
-                      <a:headEnd type="none" w="med" len="med"/>
-                      <a:tailEnd type="none" w="med" len="med"/>
-                    </a:lnR>
-                    <a:lnT w="9525" cap="flat" cmpd="sng" algn="ctr">
-                      <a:noFill/>
-                      <a:prstDash val="solid"/>
-                    </a:lnT>
-                    <a:lnB w="19050" cap="flat" cmpd="sng" algn="ctr">
-                      <a:noFill/>
-                      <a:prstDash val="solid"/>
-                      <a:round/>
-                      <a:headEnd type="none" w="med" len="med"/>
-                      <a:tailEnd type="none" w="med" len="med"/>
-                    </a:lnB>
-                    <a:lnTlToBr w="12700" cmpd="sng">
-                      <a:noFill/>
-                      <a:prstDash val="solid"/>
-                    </a:lnTlToBr>
-                    <a:lnBlToTr w="12700" cmpd="sng">
-                      <a:noFill/>
-                      <a:prstDash val="solid"/>
-                    </a:lnBlToTr>
-                    <a:solidFill>
-                      <a:schemeClr val="accent6">
-                        <a:lumMod val="40000"/>
-                        <a:lumOff val="60000"/>
-                      </a:schemeClr>
-                    </a:solidFill>
-                  </a:tcPr>
-                </a:tc>
-              </a:tr>
-            </a:tbl>
-          </a:graphicData>
-        </a:graphic>
-      </p:graphicFrame>
-      <p:graphicFrame>
-        <p:nvGraphicFramePr>
           <p:cNvPr id="114" name="표 113"/>
           <p:cNvGraphicFramePr>
             <a:graphicFrameLocks noGrp="1"/>
@@ -31433,13 +31401,13 @@
           <p:nvPr>
             <p:extLst>
               <p:ext uri="{D42A27DB-BD31-4B8C-83A1-F6EECF244321}">
-                <p14:modId xmlns:p14="http://schemas.microsoft.com/office/powerpoint/2010/main" val="704455445"/>
+                <p14:modId xmlns:p14="http://schemas.microsoft.com/office/powerpoint/2010/main" val="330219533"/>
               </p:ext>
             </p:extLst>
           </p:nvPr>
         </p:nvGraphicFramePr>
         <p:xfrm>
-          <a:off x="4779694" y="2848331"/>
+          <a:off x="7056480" y="3208166"/>
           <a:ext cx="1836000" cy="365760"/>
         </p:xfrm>
         <a:graphic>
@@ -31521,101 +31489,6 @@
       </p:graphicFrame>
       <p:graphicFrame>
         <p:nvGraphicFramePr>
-          <p:cNvPr id="115" name="표 114"/>
-          <p:cNvGraphicFramePr>
-            <a:graphicFrameLocks noGrp="1"/>
-          </p:cNvGraphicFramePr>
-          <p:nvPr>
-            <p:extLst>
-              <p:ext uri="{D42A27DB-BD31-4B8C-83A1-F6EECF244321}">
-                <p14:modId xmlns:p14="http://schemas.microsoft.com/office/powerpoint/2010/main" val="2131891352"/>
-              </p:ext>
-            </p:extLst>
-          </p:nvPr>
-        </p:nvGraphicFramePr>
-        <p:xfrm>
-          <a:off x="7043780" y="2848331"/>
-          <a:ext cx="1836000" cy="365760"/>
-        </p:xfrm>
-        <a:graphic>
-          <a:graphicData uri="http://schemas.openxmlformats.org/drawingml/2006/table">
-            <a:tbl>
-              <a:tblPr firstRow="1" bandRow="1">
-                <a:tableStyleId>{7E9639D4-E3E2-4D34-9284-5A2195B3D0D7}</a:tableStyleId>
-              </a:tblPr>
-              <a:tblGrid>
-                <a:gridCol w="1836000"/>
-              </a:tblGrid>
-              <a:tr h="0">
-                <a:tc>
-                  <a:txBody>
-                    <a:bodyPr/>
-                    <a:lstStyle/>
-                    <a:p>
-                      <a:pPr algn="ctr" latinLnBrk="1"/>
-                      <a:r>
-                        <a:rPr lang="en-US" altLang="ko-KR" sz="1800" dirty="0" err="1" smtClean="0">
-                          <a:solidFill>
-                            <a:schemeClr val="tx1"/>
-                          </a:solidFill>
-                          <a:latin typeface="+mj-lt"/>
-                        </a:rPr>
-                        <a:t>adminAjax</a:t>
-                      </a:r>
-                      <a:endParaRPr lang="ko-KR" altLang="en-US" sz="1800" dirty="0">
-                        <a:solidFill>
-                          <a:schemeClr val="tx1"/>
-                        </a:solidFill>
-                        <a:latin typeface="+mj-lt"/>
-                      </a:endParaRPr>
-                    </a:p>
-                  </a:txBody>
-                  <a:tcPr>
-                    <a:lnL w="9525" cap="flat" cmpd="sng" algn="ctr">
-                      <a:noFill/>
-                      <a:prstDash val="solid"/>
-                    </a:lnL>
-                    <a:lnR w="19050" cap="flat" cmpd="sng" algn="ctr">
-                      <a:noFill/>
-                      <a:prstDash val="solid"/>
-                      <a:round/>
-                      <a:headEnd type="none" w="med" len="med"/>
-                      <a:tailEnd type="none" w="med" len="med"/>
-                    </a:lnR>
-                    <a:lnT w="9525" cap="flat" cmpd="sng" algn="ctr">
-                      <a:noFill/>
-                      <a:prstDash val="solid"/>
-                    </a:lnT>
-                    <a:lnB w="19050" cap="flat" cmpd="sng" algn="ctr">
-                      <a:noFill/>
-                      <a:prstDash val="solid"/>
-                      <a:round/>
-                      <a:headEnd type="none" w="med" len="med"/>
-                      <a:tailEnd type="none" w="med" len="med"/>
-                    </a:lnB>
-                    <a:lnTlToBr w="12700" cmpd="sng">
-                      <a:noFill/>
-                      <a:prstDash val="solid"/>
-                    </a:lnTlToBr>
-                    <a:lnBlToTr w="12700" cmpd="sng">
-                      <a:noFill/>
-                      <a:prstDash val="solid"/>
-                    </a:lnBlToTr>
-                    <a:solidFill>
-                      <a:schemeClr val="accent6">
-                        <a:lumMod val="40000"/>
-                        <a:lumOff val="60000"/>
-                      </a:schemeClr>
-                    </a:solidFill>
-                  </a:tcPr>
-                </a:tc>
-              </a:tr>
-            </a:tbl>
-          </a:graphicData>
-        </a:graphic>
-      </p:graphicFrame>
-      <p:graphicFrame>
-        <p:nvGraphicFramePr>
           <p:cNvPr id="116" name="표 115"/>
           <p:cNvGraphicFramePr>
             <a:graphicFrameLocks noGrp="1"/>
@@ -31623,13 +31496,13 @@
           <p:nvPr>
             <p:extLst>
               <p:ext uri="{D42A27DB-BD31-4B8C-83A1-F6EECF244321}">
-                <p14:modId xmlns:p14="http://schemas.microsoft.com/office/powerpoint/2010/main" val="1380528940"/>
+                <p14:modId xmlns:p14="http://schemas.microsoft.com/office/powerpoint/2010/main" val="755243308"/>
               </p:ext>
             </p:extLst>
           </p:nvPr>
         </p:nvGraphicFramePr>
         <p:xfrm>
-          <a:off x="2515607" y="5717138"/>
+          <a:off x="3654000" y="5469204"/>
           <a:ext cx="1836000" cy="365760"/>
         </p:xfrm>
         <a:graphic>
@@ -31712,13 +31585,13 @@
           <p:nvPr>
             <p:extLst>
               <p:ext uri="{D42A27DB-BD31-4B8C-83A1-F6EECF244321}">
-                <p14:modId xmlns:p14="http://schemas.microsoft.com/office/powerpoint/2010/main" val="1493426628"/>
+                <p14:modId xmlns:p14="http://schemas.microsoft.com/office/powerpoint/2010/main" val="3881940245"/>
               </p:ext>
             </p:extLst>
           </p:nvPr>
         </p:nvGraphicFramePr>
         <p:xfrm>
-          <a:off x="2515607" y="2274569"/>
+          <a:off x="3654000" y="2454487"/>
           <a:ext cx="1836000" cy="365760"/>
         </p:xfrm>
         <a:graphic>
@@ -31807,13 +31680,13 @@
           <p:nvPr>
             <p:extLst>
               <p:ext uri="{D42A27DB-BD31-4B8C-83A1-F6EECF244321}">
-                <p14:modId xmlns:p14="http://schemas.microsoft.com/office/powerpoint/2010/main" val="4263436952"/>
+                <p14:modId xmlns:p14="http://schemas.microsoft.com/office/powerpoint/2010/main" val="1031467069"/>
               </p:ext>
             </p:extLst>
           </p:nvPr>
         </p:nvGraphicFramePr>
         <p:xfrm>
-          <a:off x="4779694" y="1700808"/>
+          <a:off x="7056480" y="1700808"/>
           <a:ext cx="1836000" cy="365760"/>
         </p:xfrm>
         <a:graphic>
@@ -31902,13 +31775,13 @@
           <p:nvPr>
             <p:extLst>
               <p:ext uri="{D42A27DB-BD31-4B8C-83A1-F6EECF244321}">
-                <p14:modId xmlns:p14="http://schemas.microsoft.com/office/powerpoint/2010/main" val="488029821"/>
+                <p14:modId xmlns:p14="http://schemas.microsoft.com/office/powerpoint/2010/main" val="2999023947"/>
               </p:ext>
             </p:extLst>
           </p:nvPr>
         </p:nvGraphicFramePr>
         <p:xfrm>
-          <a:off x="2515607" y="3995853"/>
+          <a:off x="3654000" y="3961846"/>
           <a:ext cx="1836000" cy="365760"/>
         </p:xfrm>
         <a:graphic>
@@ -31988,101 +31861,6 @@
           </a:graphicData>
         </a:graphic>
       </p:graphicFrame>
-      <p:graphicFrame>
-        <p:nvGraphicFramePr>
-          <p:cNvPr id="120" name="표 119"/>
-          <p:cNvGraphicFramePr>
-            <a:graphicFrameLocks noGrp="1"/>
-          </p:cNvGraphicFramePr>
-          <p:nvPr>
-            <p:extLst>
-              <p:ext uri="{D42A27DB-BD31-4B8C-83A1-F6EECF244321}">
-                <p14:modId xmlns:p14="http://schemas.microsoft.com/office/powerpoint/2010/main" val="3320582590"/>
-              </p:ext>
-            </p:extLst>
-          </p:nvPr>
-        </p:nvGraphicFramePr>
-        <p:xfrm>
-          <a:off x="4794190" y="3995854"/>
-          <a:ext cx="1836000" cy="365760"/>
-        </p:xfrm>
-        <a:graphic>
-          <a:graphicData uri="http://schemas.openxmlformats.org/drawingml/2006/table">
-            <a:tbl>
-              <a:tblPr firstRow="1" bandRow="1">
-                <a:tableStyleId>{7E9639D4-E3E2-4D34-9284-5A2195B3D0D7}</a:tableStyleId>
-              </a:tblPr>
-              <a:tblGrid>
-                <a:gridCol w="1836000"/>
-              </a:tblGrid>
-              <a:tr h="0">
-                <a:tc>
-                  <a:txBody>
-                    <a:bodyPr/>
-                    <a:lstStyle/>
-                    <a:p>
-                      <a:pPr algn="ctr" latinLnBrk="1"/>
-                      <a:r>
-                        <a:rPr lang="en-US" altLang="ko-KR" sz="1800" dirty="0" err="1" smtClean="0">
-                          <a:solidFill>
-                            <a:schemeClr val="tx1"/>
-                          </a:solidFill>
-                          <a:latin typeface="+mj-lt"/>
-                        </a:rPr>
-                        <a:t>signup_ok</a:t>
-                      </a:r>
-                      <a:endParaRPr lang="ko-KR" altLang="en-US" sz="1800" dirty="0">
-                        <a:solidFill>
-                          <a:schemeClr val="tx1"/>
-                        </a:solidFill>
-                        <a:latin typeface="+mj-lt"/>
-                      </a:endParaRPr>
-                    </a:p>
-                  </a:txBody>
-                  <a:tcPr>
-                    <a:lnL w="9525" cap="flat" cmpd="sng" algn="ctr">
-                      <a:noFill/>
-                      <a:prstDash val="solid"/>
-                    </a:lnL>
-                    <a:lnR w="19050" cap="flat" cmpd="sng" algn="ctr">
-                      <a:noFill/>
-                      <a:prstDash val="solid"/>
-                      <a:round/>
-                      <a:headEnd type="none" w="med" len="med"/>
-                      <a:tailEnd type="none" w="med" len="med"/>
-                    </a:lnR>
-                    <a:lnT w="9525" cap="flat" cmpd="sng" algn="ctr">
-                      <a:noFill/>
-                      <a:prstDash val="solid"/>
-                    </a:lnT>
-                    <a:lnB w="19050" cap="flat" cmpd="sng" algn="ctr">
-                      <a:noFill/>
-                      <a:prstDash val="solid"/>
-                      <a:round/>
-                      <a:headEnd type="none" w="med" len="med"/>
-                      <a:tailEnd type="none" w="med" len="med"/>
-                    </a:lnB>
-                    <a:lnTlToBr w="12700" cmpd="sng">
-                      <a:noFill/>
-                      <a:prstDash val="solid"/>
-                    </a:lnTlToBr>
-                    <a:lnBlToTr w="12700" cmpd="sng">
-                      <a:noFill/>
-                      <a:prstDash val="solid"/>
-                    </a:lnBlToTr>
-                    <a:solidFill>
-                      <a:schemeClr val="accent6">
-                        <a:lumMod val="40000"/>
-                        <a:lumOff val="60000"/>
-                      </a:schemeClr>
-                    </a:solidFill>
-                  </a:tcPr>
-                </a:tc>
-              </a:tr>
-            </a:tbl>
-          </a:graphicData>
-        </a:graphic>
-      </p:graphicFrame>
       <p:cxnSp>
         <p:nvCxnSpPr>
           <p:cNvPr id="121" name="직선 화살표 연결선 120"/>
@@ -32093,129 +31871,9 @@
           <p:nvPr/>
         </p:nvCxnSpPr>
         <p:spPr>
-          <a:xfrm flipV="1">
-            <a:off x="2087520" y="4178733"/>
-            <a:ext cx="428087" cy="1"/>
-          </a:xfrm>
-          <a:prstGeom prst="straightConnector1">
-            <a:avLst/>
-          </a:prstGeom>
-          <a:ln w="12700">
-            <a:solidFill>
-              <a:schemeClr val="tx1"/>
-            </a:solidFill>
-            <a:headEnd type="none"/>
-            <a:tailEnd type="arrow"/>
-          </a:ln>
-        </p:spPr>
-        <p:style>
-          <a:lnRef idx="1">
-            <a:schemeClr val="accent1"/>
-          </a:lnRef>
-          <a:fillRef idx="0">
-            <a:schemeClr val="accent1"/>
-          </a:fillRef>
-          <a:effectRef idx="0">
-            <a:schemeClr val="accent1"/>
-          </a:effectRef>
-          <a:fontRef idx="minor">
-            <a:schemeClr val="tx1"/>
-          </a:fontRef>
-        </p:style>
-      </p:cxnSp>
-      <p:cxnSp>
-        <p:nvCxnSpPr>
-          <p:cNvPr id="125" name="직선 화살표 연결선 124"/>
-          <p:cNvCxnSpPr>
-            <a:stCxn id="112" idx="3"/>
-            <a:endCxn id="113" idx="1"/>
-          </p:cNvCxnSpPr>
-          <p:nvPr/>
-        </p:nvCxnSpPr>
-        <p:spPr>
           <a:xfrm>
-            <a:off x="6615694" y="5326257"/>
-            <a:ext cx="428086" cy="0"/>
-          </a:xfrm>
-          <a:prstGeom prst="straightConnector1">
-            <a:avLst/>
-          </a:prstGeom>
-          <a:ln w="12700">
-            <a:solidFill>
-              <a:schemeClr val="tx1"/>
-            </a:solidFill>
-            <a:headEnd type="none"/>
-            <a:tailEnd type="arrow"/>
-          </a:ln>
-        </p:spPr>
-        <p:style>
-          <a:lnRef idx="1">
-            <a:schemeClr val="accent1"/>
-          </a:lnRef>
-          <a:fillRef idx="0">
-            <a:schemeClr val="accent1"/>
-          </a:fillRef>
-          <a:effectRef idx="0">
-            <a:schemeClr val="accent1"/>
-          </a:effectRef>
-          <a:fontRef idx="minor">
-            <a:schemeClr val="tx1"/>
-          </a:fontRef>
-        </p:style>
-      </p:cxnSp>
-      <p:cxnSp>
-        <p:nvCxnSpPr>
-          <p:cNvPr id="126" name="직선 화살표 연결선 125"/>
-          <p:cNvCxnSpPr>
-            <a:stCxn id="114" idx="3"/>
-            <a:endCxn id="115" idx="1"/>
-          </p:cNvCxnSpPr>
-          <p:nvPr/>
-        </p:nvCxnSpPr>
-        <p:spPr>
-          <a:xfrm>
-            <a:off x="6615694" y="3031211"/>
-            <a:ext cx="428086" cy="0"/>
-          </a:xfrm>
-          <a:prstGeom prst="straightConnector1">
-            <a:avLst/>
-          </a:prstGeom>
-          <a:ln w="12700">
-            <a:solidFill>
-              <a:schemeClr val="tx1"/>
-            </a:solidFill>
-            <a:headEnd type="none"/>
-            <a:tailEnd type="arrow"/>
-          </a:ln>
-        </p:spPr>
-        <p:style>
-          <a:lnRef idx="1">
-            <a:schemeClr val="accent1"/>
-          </a:lnRef>
-          <a:fillRef idx="0">
-            <a:schemeClr val="accent1"/>
-          </a:fillRef>
-          <a:effectRef idx="0">
-            <a:schemeClr val="accent1"/>
-          </a:effectRef>
-          <a:fontRef idx="minor">
-            <a:schemeClr val="tx1"/>
-          </a:fontRef>
-        </p:style>
-      </p:cxnSp>
-      <p:cxnSp>
-        <p:nvCxnSpPr>
-          <p:cNvPr id="127" name="직선 화살표 연결선 126"/>
-          <p:cNvCxnSpPr>
-            <a:stCxn id="119" idx="3"/>
-            <a:endCxn id="120" idx="1"/>
-          </p:cNvCxnSpPr>
-          <p:nvPr/>
-        </p:nvCxnSpPr>
-        <p:spPr>
-          <a:xfrm>
-            <a:off x="4351607" y="4178733"/>
-            <a:ext cx="442583" cy="1"/>
+            <a:off x="2087520" y="4144726"/>
+            <a:ext cx="1566480" cy="0"/>
           </a:xfrm>
           <a:prstGeom prst="straightConnector1">
             <a:avLst/>
@@ -32254,8 +31912,8 @@
         </p:nvCxnSpPr>
         <p:spPr>
           <a:xfrm>
-            <a:off x="4351607" y="2457449"/>
-            <a:ext cx="428087" cy="573762"/>
+            <a:off x="5490000" y="2637367"/>
+            <a:ext cx="1566480" cy="753679"/>
           </a:xfrm>
           <a:prstGeom prst="bentConnector3">
             <a:avLst/>
@@ -32264,48 +31922,6 @@
             <a:solidFill>
               <a:schemeClr val="tx1"/>
             </a:solidFill>
-            <a:tailEnd type="arrow"/>
-          </a:ln>
-        </p:spPr>
-        <p:style>
-          <a:lnRef idx="1">
-            <a:schemeClr val="accent1"/>
-          </a:lnRef>
-          <a:fillRef idx="0">
-            <a:schemeClr val="accent1"/>
-          </a:fillRef>
-          <a:effectRef idx="0">
-            <a:schemeClr val="accent1"/>
-          </a:effectRef>
-          <a:fontRef idx="minor">
-            <a:schemeClr val="tx1"/>
-          </a:fontRef>
-        </p:style>
-      </p:cxnSp>
-      <p:cxnSp>
-        <p:nvCxnSpPr>
-          <p:cNvPr id="137" name="꺾인 연결선 136"/>
-          <p:cNvCxnSpPr>
-            <a:stCxn id="110" idx="3"/>
-            <a:endCxn id="116" idx="1"/>
-          </p:cNvCxnSpPr>
-          <p:nvPr/>
-        </p:nvCxnSpPr>
-        <p:spPr>
-          <a:xfrm>
-            <a:off x="2087520" y="4178734"/>
-            <a:ext cx="428087" cy="1721284"/>
-          </a:xfrm>
-          <a:prstGeom prst="bentConnector3">
-            <a:avLst>
-              <a:gd name="adj1" fmla="val 50000"/>
-            </a:avLst>
-          </a:prstGeom>
-          <a:ln>
-            <a:solidFill>
-              <a:schemeClr val="tx1"/>
-            </a:solidFill>
-            <a:headEnd type="none"/>
             <a:tailEnd type="arrow"/>
           </a:ln>
         </p:spPr>
@@ -32335,8 +31951,8 @@
         </p:nvCxnSpPr>
         <p:spPr>
           <a:xfrm flipV="1">
-            <a:off x="4351607" y="1883688"/>
-            <a:ext cx="428087" cy="573761"/>
+            <a:off x="5490000" y="1883688"/>
+            <a:ext cx="1566480" cy="753679"/>
           </a:xfrm>
           <a:prstGeom prst="bentConnector3">
             <a:avLst>
@@ -32375,9 +31991,9 @@
           <p:nvPr/>
         </p:nvCxnSpPr>
         <p:spPr>
-          <a:xfrm>
-            <a:off x="4351607" y="5900018"/>
-            <a:ext cx="428087" cy="573762"/>
+          <a:xfrm flipV="1">
+            <a:off x="5490000" y="4898404"/>
+            <a:ext cx="1566480" cy="753680"/>
           </a:xfrm>
           <a:prstGeom prst="bentConnector3">
             <a:avLst>
@@ -32416,9 +32032,9 @@
           <p:nvPr/>
         </p:nvCxnSpPr>
         <p:spPr>
-          <a:xfrm flipV="1">
-            <a:off x="4351607" y="5326257"/>
-            <a:ext cx="428087" cy="573761"/>
+          <a:xfrm>
+            <a:off x="5490000" y="5652084"/>
+            <a:ext cx="1566480" cy="753679"/>
           </a:xfrm>
           <a:prstGeom prst="bentConnector3">
             <a:avLst>
@@ -32449,21 +32065,21 @@
       </p:cxnSp>
       <p:graphicFrame>
         <p:nvGraphicFramePr>
-          <p:cNvPr id="149" name="표 148"/>
+          <p:cNvPr id="47" name="표 46"/>
           <p:cNvGraphicFramePr>
             <a:graphicFrameLocks noGrp="1"/>
           </p:cNvGraphicFramePr>
           <p:nvPr>
             <p:extLst>
               <p:ext uri="{D42A27DB-BD31-4B8C-83A1-F6EECF244321}">
-                <p14:modId xmlns:p14="http://schemas.microsoft.com/office/powerpoint/2010/main" val="2110769355"/>
+                <p14:modId xmlns:p14="http://schemas.microsoft.com/office/powerpoint/2010/main" val="1293913541"/>
               </p:ext>
             </p:extLst>
           </p:nvPr>
         </p:nvGraphicFramePr>
         <p:xfrm>
-          <a:off x="251520" y="3135211"/>
-          <a:ext cx="1836000" cy="365760"/>
+          <a:off x="251520" y="5125603"/>
+          <a:ext cx="1836000" cy="1463040"/>
         </p:xfrm>
         <a:graphic>
           <a:graphicData uri="http://schemas.openxmlformats.org/drawingml/2006/table">
@@ -32482,7 +32098,7 @@
                     <a:p>
                       <a:pPr algn="ctr" latinLnBrk="1"/>
                       <a:r>
-                        <a:rPr lang="en-US" altLang="ko-KR" sz="1800" b="1" kern="1200" dirty="0" err="1" smtClean="0">
+                        <a:rPr lang="ko-KR" altLang="en-US" sz="1800" b="1" kern="1200" dirty="0" smtClean="0">
                           <a:solidFill>
                             <a:schemeClr val="tx1"/>
                           </a:solidFill>
@@ -32490,7 +32106,7 @@
                           <a:ea typeface="+mn-ea"/>
                           <a:cs typeface="+mn-cs"/>
                         </a:rPr>
-                        <a:t>login_ok</a:t>
+                        <a:t>데이터 처리</a:t>
                       </a:r>
                       <a:endParaRPr lang="ko-KR" altLang="en-US" sz="1800" b="1" kern="1200" dirty="0">
                         <a:solidFill>
@@ -32519,7 +32135,9 @@
                       <a:prstDash val="solid"/>
                     </a:lnT>
                     <a:lnB w="19050" cap="flat" cmpd="sng" algn="ctr">
-                      <a:noFill/>
+                      <a:solidFill>
+                        <a:schemeClr val="bg1"/>
+                      </a:solidFill>
                       <a:prstDash val="solid"/>
                       <a:round/>
                       <a:headEnd type="none" w="med" len="med"/>
@@ -32534,9 +32152,264 @@
                       <a:prstDash val="solid"/>
                     </a:lnBlToTr>
                     <a:solidFill>
-                      <a:schemeClr val="accent6">
+                      <a:schemeClr val="accent5">
                         <a:lumMod val="40000"/>
                         <a:lumOff val="60000"/>
+                      </a:schemeClr>
+                    </a:solidFill>
+                  </a:tcPr>
+                </a:tc>
+              </a:tr>
+              <a:tr h="0">
+                <a:tc>
+                  <a:txBody>
+                    <a:bodyPr/>
+                    <a:lstStyle/>
+                    <a:p>
+                      <a:pPr marL="0" marR="0" indent="0" algn="ctr" defTabSz="914400" rtl="0" eaLnBrk="1" fontAlgn="auto" latinLnBrk="1" hangingPunct="1">
+                        <a:lnSpc>
+                          <a:spcPct val="100000"/>
+                        </a:lnSpc>
+                        <a:spcBef>
+                          <a:spcPts val="0"/>
+                        </a:spcBef>
+                        <a:spcAft>
+                          <a:spcPts val="0"/>
+                        </a:spcAft>
+                        <a:buClrTx/>
+                        <a:buSzTx/>
+                        <a:buFontTx/>
+                        <a:buNone/>
+                        <a:tabLst/>
+                        <a:defRPr/>
+                      </a:pPr>
+                      <a:r>
+                        <a:rPr lang="en-US" altLang="ko-KR" sz="1800" b="1" kern="1200" dirty="0" err="1" smtClean="0">
+                          <a:solidFill>
+                            <a:schemeClr val="tx1"/>
+                          </a:solidFill>
+                          <a:latin typeface="+mn-lt"/>
+                          <a:ea typeface="+mn-ea"/>
+                          <a:cs typeface="+mn-cs"/>
+                        </a:rPr>
+                        <a:t>getAjax</a:t>
+                      </a:r>
+                      <a:endParaRPr lang="ko-KR" altLang="en-US" sz="1800" b="1" kern="1200" dirty="0" smtClean="0">
+                        <a:solidFill>
+                          <a:schemeClr val="tx1"/>
+                        </a:solidFill>
+                        <a:latin typeface="+mn-lt"/>
+                        <a:ea typeface="+mn-ea"/>
+                        <a:cs typeface="+mn-cs"/>
+                      </a:endParaRPr>
+                    </a:p>
+                  </a:txBody>
+                  <a:tcPr>
+                    <a:lnL w="9525" cap="flat" cmpd="sng" algn="ctr">
+                      <a:noFill/>
+                      <a:prstDash val="solid"/>
+                    </a:lnL>
+                    <a:lnR w="19050" cap="flat" cmpd="sng" algn="ctr">
+                      <a:noFill/>
+                      <a:prstDash val="solid"/>
+                      <a:round/>
+                      <a:headEnd type="none" w="med" len="med"/>
+                      <a:tailEnd type="none" w="med" len="med"/>
+                    </a:lnR>
+                    <a:lnT w="19050" cap="flat" cmpd="sng" algn="ctr">
+                      <a:solidFill>
+                        <a:schemeClr val="bg1"/>
+                      </a:solidFill>
+                      <a:prstDash val="solid"/>
+                      <a:round/>
+                      <a:headEnd type="none" w="med" len="med"/>
+                      <a:tailEnd type="none" w="med" len="med"/>
+                    </a:lnT>
+                    <a:lnB w="19050" cap="flat" cmpd="sng" algn="ctr">
+                      <a:solidFill>
+                        <a:schemeClr val="bg1"/>
+                      </a:solidFill>
+                      <a:prstDash val="solid"/>
+                      <a:round/>
+                      <a:headEnd type="none" w="med" len="med"/>
+                      <a:tailEnd type="none" w="med" len="med"/>
+                    </a:lnB>
+                    <a:lnTlToBr w="12700" cmpd="sng">
+                      <a:noFill/>
+                      <a:prstDash val="solid"/>
+                    </a:lnTlToBr>
+                    <a:lnBlToTr w="12700" cmpd="sng">
+                      <a:noFill/>
+                      <a:prstDash val="solid"/>
+                    </a:lnBlToTr>
+                    <a:solidFill>
+                      <a:schemeClr val="accent5">
+                        <a:lumMod val="20000"/>
+                        <a:lumOff val="80000"/>
+                      </a:schemeClr>
+                    </a:solidFill>
+                  </a:tcPr>
+                </a:tc>
+              </a:tr>
+              <a:tr h="0">
+                <a:tc>
+                  <a:txBody>
+                    <a:bodyPr/>
+                    <a:lstStyle/>
+                    <a:p>
+                      <a:pPr algn="ctr" latinLnBrk="1"/>
+                      <a:r>
+                        <a:rPr lang="en-US" altLang="ko-KR" sz="1800" b="1" kern="1200" dirty="0" err="1" smtClean="0">
+                          <a:solidFill>
+                            <a:schemeClr val="tx1"/>
+                          </a:solidFill>
+                          <a:latin typeface="+mn-lt"/>
+                          <a:ea typeface="+mn-ea"/>
+                          <a:cs typeface="+mn-cs"/>
+                        </a:rPr>
+                        <a:t>postAjax</a:t>
+                      </a:r>
+                      <a:endParaRPr lang="ko-KR" altLang="en-US" sz="1800" b="1" kern="1200" dirty="0" smtClean="0">
+                        <a:solidFill>
+                          <a:schemeClr val="tx1"/>
+                        </a:solidFill>
+                        <a:latin typeface="+mn-lt"/>
+                        <a:ea typeface="+mn-ea"/>
+                        <a:cs typeface="+mn-cs"/>
+                      </a:endParaRPr>
+                    </a:p>
+                  </a:txBody>
+                  <a:tcPr>
+                    <a:lnL w="9525" cap="flat" cmpd="sng" algn="ctr">
+                      <a:noFill/>
+                      <a:prstDash val="solid"/>
+                    </a:lnL>
+                    <a:lnR w="19050" cap="flat" cmpd="sng" algn="ctr">
+                      <a:noFill/>
+                      <a:prstDash val="solid"/>
+                      <a:round/>
+                      <a:headEnd type="none" w="med" len="med"/>
+                      <a:tailEnd type="none" w="med" len="med"/>
+                    </a:lnR>
+                    <a:lnT w="19050" cap="flat" cmpd="sng" algn="ctr">
+                      <a:solidFill>
+                        <a:schemeClr val="bg1"/>
+                      </a:solidFill>
+                      <a:prstDash val="solid"/>
+                      <a:round/>
+                      <a:headEnd type="none" w="med" len="med"/>
+                      <a:tailEnd type="none" w="med" len="med"/>
+                    </a:lnT>
+                    <a:lnB w="19050" cap="flat" cmpd="sng" algn="ctr">
+                      <a:solidFill>
+                        <a:schemeClr val="bg1"/>
+                      </a:solidFill>
+                      <a:prstDash val="solid"/>
+                      <a:round/>
+                      <a:headEnd type="none" w="med" len="med"/>
+                      <a:tailEnd type="none" w="med" len="med"/>
+                    </a:lnB>
+                    <a:lnTlToBr w="12700" cmpd="sng">
+                      <a:noFill/>
+                      <a:prstDash val="solid"/>
+                    </a:lnTlToBr>
+                    <a:lnBlToTr w="12700" cmpd="sng">
+                      <a:noFill/>
+                      <a:prstDash val="solid"/>
+                    </a:lnBlToTr>
+                    <a:solidFill>
+                      <a:schemeClr val="accent5">
+                        <a:lumMod val="20000"/>
+                        <a:lumOff val="80000"/>
+                      </a:schemeClr>
+                    </a:solidFill>
+                  </a:tcPr>
+                </a:tc>
+              </a:tr>
+              <a:tr h="0">
+                <a:tc>
+                  <a:txBody>
+                    <a:bodyPr/>
+                    <a:lstStyle/>
+                    <a:p>
+                      <a:pPr marL="0" marR="0" indent="0" algn="ctr" defTabSz="914400" rtl="0" eaLnBrk="1" fontAlgn="auto" latinLnBrk="1" hangingPunct="1">
+                        <a:lnSpc>
+                          <a:spcPct val="100000"/>
+                        </a:lnSpc>
+                        <a:spcBef>
+                          <a:spcPts val="0"/>
+                        </a:spcBef>
+                        <a:spcAft>
+                          <a:spcPts val="0"/>
+                        </a:spcAft>
+                        <a:buClrTx/>
+                        <a:buSzTx/>
+                        <a:buFontTx/>
+                        <a:buNone/>
+                        <a:tabLst/>
+                        <a:defRPr/>
+                      </a:pPr>
+                      <a:r>
+                        <a:rPr lang="en-US" altLang="ko-KR" sz="1800" b="1" kern="1200" dirty="0" err="1" smtClean="0">
+                          <a:solidFill>
+                            <a:schemeClr val="tx1"/>
+                          </a:solidFill>
+                          <a:latin typeface="+mn-lt"/>
+                          <a:ea typeface="+mn-ea"/>
+                          <a:cs typeface="+mn-cs"/>
+                        </a:rPr>
+                        <a:t>adminAjax</a:t>
+                      </a:r>
+                      <a:endParaRPr lang="ko-KR" altLang="en-US" sz="1800" b="1" kern="1200" dirty="0" smtClean="0">
+                        <a:solidFill>
+                          <a:schemeClr val="tx1"/>
+                        </a:solidFill>
+                        <a:latin typeface="+mn-lt"/>
+                        <a:ea typeface="+mn-ea"/>
+                        <a:cs typeface="+mn-cs"/>
+                      </a:endParaRPr>
+                    </a:p>
+                  </a:txBody>
+                  <a:tcPr>
+                    <a:lnL w="9525" cap="flat" cmpd="sng" algn="ctr">
+                      <a:noFill/>
+                      <a:prstDash val="solid"/>
+                    </a:lnL>
+                    <a:lnR w="19050" cap="flat" cmpd="sng" algn="ctr">
+                      <a:noFill/>
+                      <a:prstDash val="solid"/>
+                      <a:round/>
+                      <a:headEnd type="none" w="med" len="med"/>
+                      <a:tailEnd type="none" w="med" len="med"/>
+                    </a:lnR>
+                    <a:lnT w="19050" cap="flat" cmpd="sng" algn="ctr">
+                      <a:solidFill>
+                        <a:schemeClr val="bg1"/>
+                      </a:solidFill>
+                      <a:prstDash val="solid"/>
+                      <a:round/>
+                      <a:headEnd type="none" w="med" len="med"/>
+                      <a:tailEnd type="none" w="med" len="med"/>
+                    </a:lnT>
+                    <a:lnB w="19050" cap="flat" cmpd="sng" algn="ctr">
+                      <a:noFill/>
+                      <a:prstDash val="solid"/>
+                      <a:round/>
+                      <a:headEnd type="none" w="med" len="med"/>
+                      <a:tailEnd type="none" w="med" len="med"/>
+                    </a:lnB>
+                    <a:lnTlToBr w="12700" cmpd="sng">
+                      <a:noFill/>
+                      <a:prstDash val="solid"/>
+                    </a:lnTlToBr>
+                    <a:lnBlToTr w="12700" cmpd="sng">
+                      <a:noFill/>
+                      <a:prstDash val="solid"/>
+                    </a:lnBlToTr>
+                    <a:solidFill>
+                      <a:schemeClr val="accent5">
+                        <a:lumMod val="20000"/>
+                        <a:lumOff val="80000"/>
                       </a:schemeClr>
                     </a:solidFill>
                   </a:tcPr>
@@ -32548,26 +32421,28 @@
       </p:graphicFrame>
       <p:cxnSp>
         <p:nvCxnSpPr>
-          <p:cNvPr id="150" name="직선 화살표 연결선 149"/>
+          <p:cNvPr id="54" name="꺾인 연결선 53"/>
           <p:cNvCxnSpPr>
-            <a:stCxn id="110" idx="0"/>
-            <a:endCxn id="149" idx="2"/>
+            <a:stCxn id="116" idx="1"/>
+            <a:endCxn id="117" idx="1"/>
           </p:cNvCxnSpPr>
           <p:nvPr/>
         </p:nvCxnSpPr>
         <p:spPr>
-          <a:xfrm flipV="1">
-            <a:off x="1169520" y="3500971"/>
-            <a:ext cx="0" cy="494883"/>
+          <a:xfrm rot="10800000">
+            <a:off x="3654000" y="2637368"/>
+            <a:ext cx="12700" cy="3014717"/>
           </a:xfrm>
-          <a:prstGeom prst="straightConnector1">
-            <a:avLst/>
+          <a:prstGeom prst="bentConnector3">
+            <a:avLst>
+              <a:gd name="adj1" fmla="val 6250717"/>
+            </a:avLst>
           </a:prstGeom>
-          <a:ln w="12700">
+          <a:ln>
             <a:solidFill>
               <a:schemeClr val="tx1"/>
             </a:solidFill>
-            <a:headEnd type="none"/>
+            <a:headEnd type="arrow"/>
             <a:tailEnd type="arrow"/>
           </a:ln>
         </p:spPr>
@@ -32586,231 +32461,54 @@
           </a:fontRef>
         </p:style>
       </p:cxnSp>
-      <p:graphicFrame>
-        <p:nvGraphicFramePr>
-          <p:cNvPr id="154" name="표 153"/>
-          <p:cNvGraphicFramePr>
-            <a:graphicFrameLocks noGrp="1"/>
-          </p:cNvGraphicFramePr>
-          <p:nvPr>
-            <p:extLst>
-              <p:ext uri="{D42A27DB-BD31-4B8C-83A1-F6EECF244321}">
-                <p14:modId xmlns:p14="http://schemas.microsoft.com/office/powerpoint/2010/main" val="2772569630"/>
-              </p:ext>
-            </p:extLst>
-          </p:nvPr>
-        </p:nvGraphicFramePr>
-        <p:xfrm>
-          <a:off x="2515607" y="4856496"/>
-          <a:ext cx="1836000" cy="365760"/>
-        </p:xfrm>
-        <a:graphic>
-          <a:graphicData uri="http://schemas.openxmlformats.org/drawingml/2006/table">
-            <a:tbl>
-              <a:tblPr firstRow="1" bandRow="1">
-                <a:tableStyleId>{7E9639D4-E3E2-4D34-9284-5A2195B3D0D7}</a:tableStyleId>
-              </a:tblPr>
-              <a:tblGrid>
-                <a:gridCol w="1836000"/>
-              </a:tblGrid>
-              <a:tr h="0">
-                <a:tc>
-                  <a:txBody>
-                    <a:bodyPr/>
-                    <a:lstStyle/>
-                    <a:p>
-                      <a:pPr algn="ctr" latinLnBrk="1"/>
-                      <a:r>
-                        <a:rPr lang="en-US" altLang="ko-KR" sz="1800" b="1" kern="1200" dirty="0" err="1" smtClean="0">
-                          <a:solidFill>
-                            <a:schemeClr val="tx1"/>
-                          </a:solidFill>
-                          <a:latin typeface="+mn-lt"/>
-                          <a:ea typeface="+mn-ea"/>
-                          <a:cs typeface="+mn-cs"/>
-                        </a:rPr>
-                        <a:t>userAjax</a:t>
-                      </a:r>
-                      <a:endParaRPr lang="ko-KR" altLang="en-US" sz="1800" b="1" kern="1200" dirty="0">
-                        <a:solidFill>
-                          <a:schemeClr val="tx1"/>
-                        </a:solidFill>
-                        <a:latin typeface="+mn-lt"/>
-                        <a:ea typeface="+mn-ea"/>
-                        <a:cs typeface="+mn-cs"/>
-                      </a:endParaRPr>
-                    </a:p>
-                  </a:txBody>
-                  <a:tcPr>
-                    <a:lnL w="9525" cap="flat" cmpd="sng" algn="ctr">
-                      <a:noFill/>
-                      <a:prstDash val="solid"/>
-                    </a:lnL>
-                    <a:lnR w="19050" cap="flat" cmpd="sng" algn="ctr">
-                      <a:noFill/>
-                      <a:prstDash val="solid"/>
-                      <a:round/>
-                      <a:headEnd type="none" w="med" len="med"/>
-                      <a:tailEnd type="none" w="med" len="med"/>
-                    </a:lnR>
-                    <a:lnT w="9525" cap="flat" cmpd="sng" algn="ctr">
-                      <a:noFill/>
-                      <a:prstDash val="solid"/>
-                    </a:lnT>
-                    <a:lnB w="19050" cap="flat" cmpd="sng" algn="ctr">
-                      <a:noFill/>
-                      <a:prstDash val="solid"/>
-                      <a:round/>
-                      <a:headEnd type="none" w="med" len="med"/>
-                      <a:tailEnd type="none" w="med" len="med"/>
-                    </a:lnB>
-                    <a:lnTlToBr w="12700" cmpd="sng">
-                      <a:noFill/>
-                      <a:prstDash val="solid"/>
-                    </a:lnTlToBr>
-                    <a:lnBlToTr w="12700" cmpd="sng">
-                      <a:noFill/>
-                      <a:prstDash val="solid"/>
-                    </a:lnBlToTr>
-                    <a:solidFill>
-                      <a:schemeClr val="accent6">
-                        <a:lumMod val="40000"/>
-                        <a:lumOff val="60000"/>
-                      </a:schemeClr>
-                    </a:solidFill>
-                  </a:tcPr>
-                </a:tc>
-              </a:tr>
-            </a:tbl>
-          </a:graphicData>
-        </a:graphic>
-      </p:graphicFrame>
-      <p:cxnSp>
-        <p:nvCxnSpPr>
-          <p:cNvPr id="155" name="직선 화살표 연결선 154"/>
-          <p:cNvCxnSpPr>
-            <a:stCxn id="116" idx="0"/>
-            <a:endCxn id="154" idx="2"/>
-          </p:cNvCxnSpPr>
+      <p:sp>
+        <p:nvSpPr>
+          <p:cNvPr id="30" name="직사각형 29"/>
+          <p:cNvSpPr/>
           <p:nvPr/>
-        </p:nvCxnSpPr>
+        </p:nvSpPr>
         <p:spPr>
-          <a:xfrm flipV="1">
-            <a:off x="3433607" y="5222256"/>
-            <a:ext cx="0" cy="494882"/>
+          <a:xfrm>
+            <a:off x="107950" y="1557338"/>
+            <a:ext cx="8928546" cy="5184030"/>
           </a:xfrm>
-          <a:prstGeom prst="straightConnector1">
+          <a:prstGeom prst="rect">
             <a:avLst/>
           </a:prstGeom>
-          <a:ln w="12700">
-            <a:solidFill>
-              <a:schemeClr val="tx1"/>
-            </a:solidFill>
-            <a:headEnd type="none"/>
-            <a:tailEnd type="arrow"/>
+          <a:noFill/>
+          <a:ln>
+            <a:noFill/>
           </a:ln>
         </p:spPr>
         <p:style>
-          <a:lnRef idx="1">
-            <a:schemeClr val="accent1"/>
+          <a:lnRef idx="2">
+            <a:schemeClr val="accent1">
+              <a:shade val="50000"/>
+            </a:schemeClr>
           </a:lnRef>
-          <a:fillRef idx="0">
+          <a:fillRef idx="1">
             <a:schemeClr val="accent1"/>
           </a:fillRef>
           <a:effectRef idx="0">
             <a:schemeClr val="accent1"/>
           </a:effectRef>
           <a:fontRef idx="minor">
-            <a:schemeClr val="tx1"/>
+            <a:schemeClr val="lt1"/>
           </a:fontRef>
         </p:style>
-      </p:cxnSp>
-      <p:cxnSp>
-        <p:nvCxnSpPr>
-          <p:cNvPr id="156" name="직선 화살표 연결선 155"/>
-          <p:cNvCxnSpPr>
-            <a:stCxn id="119" idx="2"/>
-            <a:endCxn id="154" idx="0"/>
-          </p:cNvCxnSpPr>
-          <p:nvPr/>
-        </p:nvCxnSpPr>
-        <p:spPr>
-          <a:xfrm>
-            <a:off x="3433607" y="4361613"/>
-            <a:ext cx="0" cy="494883"/>
-          </a:xfrm>
-          <a:prstGeom prst="straightConnector1">
-            <a:avLst/>
-          </a:prstGeom>
-          <a:ln w="12700">
-            <a:solidFill>
-              <a:schemeClr val="tx1"/>
-            </a:solidFill>
-            <a:headEnd type="none"/>
-            <a:tailEnd type="arrow"/>
-          </a:ln>
-        </p:spPr>
-        <p:style>
-          <a:lnRef idx="1">
-            <a:schemeClr val="accent1"/>
-          </a:lnRef>
-          <a:fillRef idx="0">
-            <a:schemeClr val="accent1"/>
-          </a:fillRef>
-          <a:effectRef idx="0">
-            <a:schemeClr val="accent1"/>
-          </a:effectRef>
-          <a:fontRef idx="minor">
-            <a:schemeClr val="tx1"/>
-          </a:fontRef>
-        </p:style>
-      </p:cxnSp>
-      <p:cxnSp>
-        <p:nvCxnSpPr>
-          <p:cNvPr id="34" name="꺾인 연결선 33"/>
-          <p:cNvCxnSpPr>
-            <a:stCxn id="149" idx="3"/>
-            <a:endCxn id="117" idx="1"/>
-          </p:cNvCxnSpPr>
-          <p:nvPr/>
-        </p:nvCxnSpPr>
-        <p:spPr>
-          <a:xfrm flipV="1">
-            <a:off x="2087520" y="2457449"/>
-            <a:ext cx="428087" cy="860642"/>
-          </a:xfrm>
-          <a:prstGeom prst="bentConnector3">
-            <a:avLst>
-              <a:gd name="adj1" fmla="val 50000"/>
-            </a:avLst>
-          </a:prstGeom>
-          <a:ln>
-            <a:solidFill>
-              <a:schemeClr val="tx1"/>
-            </a:solidFill>
-            <a:headEnd type="none"/>
-            <a:tailEnd type="arrow"/>
-          </a:ln>
-        </p:spPr>
-        <p:style>
-          <a:lnRef idx="1">
-            <a:schemeClr val="accent1"/>
-          </a:lnRef>
-          <a:fillRef idx="0">
-            <a:schemeClr val="accent1"/>
-          </a:fillRef>
-          <a:effectRef idx="0">
-            <a:schemeClr val="accent1"/>
-          </a:effectRef>
-          <a:fontRef idx="minor">
-            <a:schemeClr val="tx1"/>
-          </a:fontRef>
-        </p:style>
-      </p:cxnSp>
+        <p:txBody>
+          <a:bodyPr rtlCol="0" anchor="ctr"/>
+          <a:lstStyle/>
+          <a:p>
+            <a:pPr algn="ctr"/>
+            <a:endParaRPr lang="ko-KR" altLang="en-US"/>
+          </a:p>
+        </p:txBody>
+      </p:sp>
     </p:spTree>
     <p:extLst>
       <p:ext uri="{BB962C8B-B14F-4D97-AF65-F5344CB8AC3E}">
-        <p14:creationId xmlns:p14="http://schemas.microsoft.com/office/powerpoint/2010/main" val="449733698"/>
+        <p14:creationId xmlns:p14="http://schemas.microsoft.com/office/powerpoint/2010/main" val="3129184865"/>
       </p:ext>
     </p:extLst>
   </p:cSld>
